--- a/BINA Zwischenpräsentation.pptx
+++ b/BINA Zwischenpräsentation.pptx
@@ -123,27 +123,27 @@
 <pc:chgInfo xmlns:a="http://schemas.openxmlformats.org/drawingml/2006/main" xmlns:r="http://schemas.openxmlformats.org/officeDocument/2006/relationships" xmlns:ac="http://schemas.microsoft.com/office/drawing/2013/main/command" xmlns:pc="http://schemas.microsoft.com/office/powerpoint/2013/main/command">
   <pc:docChgLst>
     <pc:chgData name="Matteo Ciurlia" userId="51569b7448d221b7" providerId="LiveId" clId="{128FC603-E66D-4984-A701-7EF63EE015C2}"/>
-    <pc:docChg chg="modSld">
-      <pc:chgData name="Matteo Ciurlia" userId="51569b7448d221b7" providerId="LiveId" clId="{128FC603-E66D-4984-A701-7EF63EE015C2}" dt="2025-05-05T04:57:43.035" v="436" actId="20577"/>
+    <pc:docChg chg="undo custSel modSld">
+      <pc:chgData name="Matteo Ciurlia" userId="51569b7448d221b7" providerId="LiveId" clId="{128FC603-E66D-4984-A701-7EF63EE015C2}" dt="2025-05-05T06:06:33.719" v="487" actId="113"/>
       <pc:docMkLst>
         <pc:docMk/>
       </pc:docMkLst>
       <pc:sldChg chg="modNotesTx">
-        <pc:chgData name="Matteo Ciurlia" userId="51569b7448d221b7" providerId="LiveId" clId="{128FC603-E66D-4984-A701-7EF63EE015C2}" dt="2025-05-05T04:55:34.795" v="266" actId="20577"/>
+        <pc:chgData name="Matteo Ciurlia" userId="51569b7448d221b7" providerId="LiveId" clId="{128FC603-E66D-4984-A701-7EF63EE015C2}" dt="2025-05-05T06:05:59.014" v="484" actId="20577"/>
         <pc:sldMkLst>
           <pc:docMk/>
           <pc:sldMk cId="2081063543" sldId="262"/>
         </pc:sldMkLst>
       </pc:sldChg>
       <pc:sldChg chg="modNotesTx">
-        <pc:chgData name="Matteo Ciurlia" userId="51569b7448d221b7" providerId="LiveId" clId="{128FC603-E66D-4984-A701-7EF63EE015C2}" dt="2025-05-05T04:57:43.035" v="436" actId="20577"/>
+        <pc:chgData name="Matteo Ciurlia" userId="51569b7448d221b7" providerId="LiveId" clId="{128FC603-E66D-4984-A701-7EF63EE015C2}" dt="2025-05-05T06:06:33.719" v="487" actId="113"/>
         <pc:sldMkLst>
           <pc:docMk/>
           <pc:sldMk cId="1180935815" sldId="263"/>
         </pc:sldMkLst>
       </pc:sldChg>
       <pc:sldChg chg="modNotesTx">
-        <pc:chgData name="Matteo Ciurlia" userId="51569b7448d221b7" providerId="LiveId" clId="{128FC603-E66D-4984-A701-7EF63EE015C2}" dt="2025-05-05T04:49:48.103" v="40" actId="20577"/>
+        <pc:chgData name="Matteo Ciurlia" userId="51569b7448d221b7" providerId="LiveId" clId="{128FC603-E66D-4984-A701-7EF63EE015C2}" dt="2025-05-05T06:04:50.314" v="442" actId="20577"/>
         <pc:sldMkLst>
           <pc:docMk/>
           <pc:sldMk cId="425944634" sldId="264"/>
@@ -1212,20 +1212,8 @@
                 <a:effectLst/>
                 <a:latin typeface="Roboto" panose="02000000000000000000" pitchFamily="2" charset="0"/>
               </a:rPr>
-              <a:t>Nach der Zusammenführung und Bereinigung der Datenquellen, wurde ein Datenmodell in Form eines Entity-Relationship-Diagramms strukturiert. Das sieht man auf dem Bild.</a:t>
+              <a:t>Nach der Zusammenführung und Bereinigung der Datenquellen, wurde ein Datenmodell in Form eines Entity-Relationship-Diagramms strukturiert. </a:t>
             </a:r>
-          </a:p>
-          <a:p>
-            <a:pPr algn="l">
-              <a:buNone/>
-            </a:pPr>
-            <a:endParaRPr lang="de-DE" b="0" i="0" dirty="0">
-              <a:solidFill>
-                <a:srgbClr val="1F1F1F"/>
-              </a:solidFill>
-              <a:effectLst/>
-              <a:latin typeface="Roboto" panose="02000000000000000000" pitchFamily="2" charset="0"/>
-            </a:endParaRPr>
           </a:p>
           <a:p>
             <a:pPr algn="l">
@@ -1239,7 +1227,7 @@
                 <a:effectLst/>
                 <a:latin typeface="Roboto" panose="02000000000000000000" pitchFamily="2" charset="0"/>
               </a:rPr>
-              <a:t>Ziel der Modellierung war es, eine möglichst klare Trennung der verschiedenen Datenbereiche zu erreichen und zugleich die logischen Beziehungen zwischen diesen Bereichen abzubilden. Die modellierte Datenbank umfasst fünf zentrale Tabellen, welche ihr auf dem Diagramm seht, z.B. Unternehmen, Gemeinden, Beschäftigungswachstum. Das Diagramm visualisiert die Beziehungen zwischen den einzelnen Tabellen. Die Gemeinde-Tabelle steht dabei im Zentrum und dient als verbindendes Element zwischen den anderen Tabellen über den eindeutigen BFS_ID (Primärschlüssel).</a:t>
+              <a:t>Ziel der Modellierung war es, eine möglichst klare Trennung der verschiedenen Datenbereiche zu erreichen und zugleich die logischen Beziehungen zwischen diesen Bereichen abzubilden. Das Modell hat fünf zentrale Tabellen, z.B. Unternehmen, Gemeinden, Beschäftigungswachstum. Das Diagramm zeigt die Beziehungen zwischen den Tabellen. Die Gemeinde-Tabelle steht dabei im Zentrum und dient als verbindendes Element zwischen den anderen Tabellen über den eindeutigen BFS_ID (Primärschlüssel).</a:t>
             </a:r>
           </a:p>
           <a:p>
@@ -1591,7 +1579,7 @@
                 <a:effectLst/>
                 <a:latin typeface="Roboto" panose="02000000000000000000" pitchFamily="2" charset="0"/>
               </a:rPr>
-              <a:t>Im folgenden Bild sieht man eine interaktive Karte der Schweiz, in welcher man nach </a:t>
+              <a:t>Karte der Schweiz, in welcher man nach </a:t>
             </a:r>
             <a:r>
               <a:rPr lang="de-CH" dirty="0">
@@ -1609,19 +1597,20 @@
                 <a:effectLst/>
                 <a:latin typeface="Roboto" panose="02000000000000000000" pitchFamily="2" charset="0"/>
               </a:rPr>
-              <a:t>Auf dem linken Bild sieht man die Karte, wenn man alle Daten präsentiert und auf der rechten Seite wird nur das Bevölkerungswachstum angezeigt. Beim Bevölkerungswachstum fällt vielleicht der rote Bereich auf, dort gab es das grösste Bevölkerungswachstum im Zeitraum 2011-2022.</a:t>
+              <a:t>Auf dem linken Bild sieht man die Karte, wenn man alle Daten präsentiert und auf der rechten Seite wird nur das Bevölkerungswachstum angezeigt. Beim Bevölkerungswachstum fällt vielleicht der rote Bereich auf</a:t>
             </a:r>
           </a:p>
           <a:p>
-            <a:endParaRPr lang="de-CH" b="0" i="0" dirty="0">
-              <a:solidFill>
-                <a:srgbClr val="1F1F1F"/>
-              </a:solidFill>
-              <a:effectLst/>
-              <a:latin typeface="Roboto" panose="02000000000000000000" pitchFamily="2" charset="0"/>
-            </a:endParaRPr>
-          </a:p>
-          <a:p>
+            <a:r>
+              <a:rPr lang="de-CH" b="1" i="0" dirty="0">
+                <a:solidFill>
+                  <a:srgbClr val="1F1F1F"/>
+                </a:solidFill>
+                <a:effectLst/>
+                <a:latin typeface="Roboto" panose="02000000000000000000" pitchFamily="2" charset="0"/>
+              </a:rPr>
+              <a:t>Ausblick</a:t>
+            </a:r>
             <a:r>
               <a:rPr lang="de-CH" b="0" i="0" dirty="0">
                 <a:solidFill>
@@ -1630,7 +1619,7 @@
                 <a:effectLst/>
                 <a:latin typeface="Roboto" panose="02000000000000000000" pitchFamily="2" charset="0"/>
               </a:rPr>
-              <a:t>Ausblick:</a:t>
+              <a:t>:</a:t>
             </a:r>
           </a:p>
           <a:p>
@@ -23723,12 +23712,9 @@
 </file>
 
 <file path=customXml/item1.xml><?xml version="1.0" encoding="utf-8"?>
-<?mso-contentType ?>
-<FormTemplates xmlns="http://schemas.microsoft.com/sharepoint/v3/contenttype/forms">
-  <Display>DocumentLibraryForm</Display>
-  <Edit>DocumentLibraryForm</Edit>
-  <New>DocumentLibraryForm</New>
-</FormTemplates>
+<p:properties xmlns:p="http://schemas.microsoft.com/office/2006/metadata/properties" xmlns:xsi="http://www.w3.org/2001/XMLSchema-instance" xmlns:pc="http://schemas.microsoft.com/office/infopath/2007/PartnerControls">
+  <documentManagement/>
+</p:properties>
 </file>
 
 <file path=customXml/item2.xml><?xml version="1.0" encoding="utf-8"?>
@@ -23900,15 +23886,19 @@
 </file>
 
 <file path=customXml/item3.xml><?xml version="1.0" encoding="utf-8"?>
-<p:properties xmlns:p="http://schemas.microsoft.com/office/2006/metadata/properties" xmlns:xsi="http://www.w3.org/2001/XMLSchema-instance" xmlns:pc="http://schemas.microsoft.com/office/infopath/2007/PartnerControls">
-  <documentManagement/>
-</p:properties>
+<?mso-contentType ?>
+<FormTemplates xmlns="http://schemas.microsoft.com/sharepoint/v3/contenttype/forms">
+  <Display>DocumentLibraryForm</Display>
+  <Edit>DocumentLibraryForm</Edit>
+  <New>DocumentLibraryForm</New>
+</FormTemplates>
 </file>
 
 <file path=customXml/itemProps1.xml><?xml version="1.0" encoding="utf-8"?>
-<ds:datastoreItem xmlns:ds="http://schemas.openxmlformats.org/officeDocument/2006/customXml" ds:itemID="{D87943C5-6779-47C6-A2EF-FBFC31BE4AE9}">
+<ds:datastoreItem xmlns:ds="http://schemas.openxmlformats.org/officeDocument/2006/customXml" ds:itemID="{4BDB316E-C435-4883-AB71-C863E916E9F6}">
   <ds:schemaRefs>
-    <ds:schemaRef ds:uri="http://schemas.microsoft.com/sharepoint/v3/contenttype/forms"/>
+    <ds:schemaRef ds:uri="http://schemas.microsoft.com/office/2006/metadata/properties"/>
+    <ds:schemaRef ds:uri="http://schemas.microsoft.com/office/infopath/2007/PartnerControls"/>
   </ds:schemaRefs>
 </ds:datastoreItem>
 </file>
@@ -23932,10 +23922,9 @@
 </file>
 
 <file path=customXml/itemProps3.xml><?xml version="1.0" encoding="utf-8"?>
-<ds:datastoreItem xmlns:ds="http://schemas.openxmlformats.org/officeDocument/2006/customXml" ds:itemID="{4BDB316E-C435-4883-AB71-C863E916E9F6}">
+<ds:datastoreItem xmlns:ds="http://schemas.openxmlformats.org/officeDocument/2006/customXml" ds:itemID="{D87943C5-6779-47C6-A2EF-FBFC31BE4AE9}">
   <ds:schemaRefs>
-    <ds:schemaRef ds:uri="http://schemas.microsoft.com/office/2006/metadata/properties"/>
-    <ds:schemaRef ds:uri="http://schemas.microsoft.com/office/infopath/2007/PartnerControls"/>
+    <ds:schemaRef ds:uri="http://schemas.microsoft.com/sharepoint/v3/contenttype/forms"/>
   </ds:schemaRefs>
 </ds:datastoreItem>
 </file>